--- a/R package introduction_zhao_20200210.pptx
+++ b/R package introduction_zhao_20200210.pptx
@@ -6922,6 +6922,58 @@
           </a:p>
         </p:txBody>
       </p:sp>
+      <p:sp>
+        <p:nvSpPr>
+          <p:cNvPr id="11" name="Rectangle 10">
+            <a:extLst>
+              <a:ext uri="{FF2B5EF4-FFF2-40B4-BE49-F238E27FC236}">
+                <a16:creationId xmlns:a16="http://schemas.microsoft.com/office/drawing/2014/main" id="{D723872F-B5DD-48D6-8563-E5F417ACEF41}"/>
+              </a:ext>
+            </a:extLst>
+          </p:cNvPr>
+          <p:cNvSpPr/>
+          <p:nvPr/>
+        </p:nvSpPr>
+        <p:spPr>
+          <a:xfrm>
+            <a:off x="9566096" y="4053538"/>
+            <a:ext cx="757270" cy="355762"/>
+          </a:xfrm>
+          <a:prstGeom prst="rect">
+            <a:avLst/>
+          </a:prstGeom>
+          <a:noFill/>
+          <a:ln w="57150">
+            <a:solidFill>
+              <a:srgbClr val="FF0000"/>
+            </a:solidFill>
+          </a:ln>
+        </p:spPr>
+        <p:style>
+          <a:lnRef idx="2">
+            <a:schemeClr val="accent1">
+              <a:shade val="50000"/>
+            </a:schemeClr>
+          </a:lnRef>
+          <a:fillRef idx="1">
+            <a:schemeClr val="accent1"/>
+          </a:fillRef>
+          <a:effectRef idx="0">
+            <a:schemeClr val="accent1"/>
+          </a:effectRef>
+          <a:fontRef idx="minor">
+            <a:schemeClr val="lt1"/>
+          </a:fontRef>
+        </p:style>
+        <p:txBody>
+          <a:bodyPr rtlCol="0" anchor="ctr"/>
+          <a:lstStyle/>
+          <a:p>
+            <a:pPr algn="ctr"/>
+            <a:endParaRPr lang="nb-NO"/>
+          </a:p>
+        </p:txBody>
+      </p:sp>
     </p:spTree>
     <p:extLst>
       <p:ext uri="{BB962C8B-B14F-4D97-AF65-F5344CB8AC3E}">
@@ -7087,6 +7139,51 @@
                       </p:childTnLst>
                     </p:cTn>
                   </p:par>
+                  <p:par>
+                    <p:cTn id="15" fill="hold">
+                      <p:stCondLst>
+                        <p:cond delay="indefinite"/>
+                      </p:stCondLst>
+                      <p:childTnLst>
+                        <p:par>
+                          <p:cTn id="16" fill="hold">
+                            <p:stCondLst>
+                              <p:cond delay="0"/>
+                            </p:stCondLst>
+                            <p:childTnLst>
+                              <p:par>
+                                <p:cTn id="17" presetID="1" presetClass="entr" presetSubtype="0" fill="hold" grpId="0" nodeType="clickEffect">
+                                  <p:stCondLst>
+                                    <p:cond delay="0"/>
+                                  </p:stCondLst>
+                                  <p:childTnLst>
+                                    <p:set>
+                                      <p:cBhvr>
+                                        <p:cTn id="18" dur="1" fill="hold">
+                                          <p:stCondLst>
+                                            <p:cond delay="0"/>
+                                          </p:stCondLst>
+                                        </p:cTn>
+                                        <p:tgtEl>
+                                          <p:spTgt spid="11"/>
+                                        </p:tgtEl>
+                                        <p:attrNameLst>
+                                          <p:attrName>style.visibility</p:attrName>
+                                        </p:attrNameLst>
+                                      </p:cBhvr>
+                                      <p:to>
+                                        <p:strVal val="visible"/>
+                                      </p:to>
+                                    </p:set>
+                                  </p:childTnLst>
+                                </p:cTn>
+                              </p:par>
+                            </p:childTnLst>
+                          </p:cTn>
+                        </p:par>
+                      </p:childTnLst>
+                    </p:cTn>
+                  </p:par>
                 </p:childTnLst>
               </p:cTn>
               <p:prevCondLst>
@@ -7112,6 +7209,7 @@
       <p:bldP spid="6" grpId="0" animBg="1"/>
       <p:bldP spid="7" grpId="0" animBg="1"/>
       <p:bldP spid="10" grpId="0" animBg="1"/>
+      <p:bldP spid="11" grpId="0" animBg="1"/>
     </p:bldLst>
   </p:timing>
 </p:sld>
